--- a/Week 06 - Node.pptx
+++ b/Week 06 - Node.pptx
@@ -346,7 +346,7 @@
           <a:p>
             <a:fld id="{186A7EED-A362-E647-9E0A-95AD9E2A184A}" type="datetimeFigureOut">
               <a:rPr lang="en-US" smtClean="0"/>
-              <a:t>2/23/22</a:t>
+              <a:t>8/1/22</a:t>
             </a:fld>
             <a:endParaRPr lang="en-US"/>
           </a:p>
@@ -681,7 +681,7 @@
           <a:p>
             <a:fld id="{186A7EED-A362-E647-9E0A-95AD9E2A184A}" type="datetimeFigureOut">
               <a:rPr lang="en-US" smtClean="0"/>
-              <a:t>2/23/22</a:t>
+              <a:t>8/1/22</a:t>
             </a:fld>
             <a:endParaRPr lang="en-US"/>
           </a:p>
@@ -984,7 +984,7 @@
           <a:p>
             <a:fld id="{186A7EED-A362-E647-9E0A-95AD9E2A184A}" type="datetimeFigureOut">
               <a:rPr lang="en-US" smtClean="0"/>
-              <a:t>2/23/22</a:t>
+              <a:t>8/1/22</a:t>
             </a:fld>
             <a:endParaRPr lang="en-US"/>
           </a:p>
@@ -1232,7 +1232,7 @@
           <a:p>
             <a:fld id="{186A7EED-A362-E647-9E0A-95AD9E2A184A}" type="datetimeFigureOut">
               <a:rPr lang="en-US" smtClean="0"/>
-              <a:t>2/23/22</a:t>
+              <a:t>8/1/22</a:t>
             </a:fld>
             <a:endParaRPr lang="en-US"/>
           </a:p>
@@ -1640,7 +1640,7 @@
           <a:p>
             <a:fld id="{186A7EED-A362-E647-9E0A-95AD9E2A184A}" type="datetimeFigureOut">
               <a:rPr lang="en-US" smtClean="0"/>
-              <a:t>2/23/22</a:t>
+              <a:t>8/1/22</a:t>
             </a:fld>
             <a:endParaRPr lang="en-US"/>
           </a:p>
@@ -1955,7 +1955,7 @@
           <a:p>
             <a:fld id="{186A7EED-A362-E647-9E0A-95AD9E2A184A}" type="datetimeFigureOut">
               <a:rPr lang="en-US" smtClean="0"/>
-              <a:t>2/23/22</a:t>
+              <a:t>8/1/22</a:t>
             </a:fld>
             <a:endParaRPr lang="en-US"/>
           </a:p>
@@ -2500,7 +2500,7 @@
           <a:p>
             <a:fld id="{186A7EED-A362-E647-9E0A-95AD9E2A184A}" type="datetimeFigureOut">
               <a:rPr lang="en-US" smtClean="0"/>
-              <a:t>2/23/22</a:t>
+              <a:t>8/1/22</a:t>
             </a:fld>
             <a:endParaRPr lang="en-US"/>
           </a:p>
@@ -2696,7 +2696,7 @@
           <a:p>
             <a:fld id="{186A7EED-A362-E647-9E0A-95AD9E2A184A}" type="datetimeFigureOut">
               <a:rPr lang="en-US" smtClean="0"/>
-              <a:t>2/23/22</a:t>
+              <a:t>8/1/22</a:t>
             </a:fld>
             <a:endParaRPr lang="en-US"/>
           </a:p>
@@ -2910,7 +2910,7 @@
           <a:p>
             <a:fld id="{186A7EED-A362-E647-9E0A-95AD9E2A184A}" type="datetimeFigureOut">
               <a:rPr lang="en-US" smtClean="0"/>
-              <a:t>2/23/22</a:t>
+              <a:t>8/1/22</a:t>
             </a:fld>
             <a:endParaRPr lang="en-US"/>
           </a:p>
@@ -3280,7 +3280,7 @@
           <a:p>
             <a:fld id="{186A7EED-A362-E647-9E0A-95AD9E2A184A}" type="datetimeFigureOut">
               <a:rPr lang="en-US" smtClean="0"/>
-              <a:t>2/23/22</a:t>
+              <a:t>8/1/22</a:t>
             </a:fld>
             <a:endParaRPr lang="en-US"/>
           </a:p>
@@ -3684,7 +3684,7 @@
           <a:p>
             <a:fld id="{186A7EED-A362-E647-9E0A-95AD9E2A184A}" type="datetimeFigureOut">
               <a:rPr lang="en-US" smtClean="0"/>
-              <a:t>2/23/22</a:t>
+              <a:t>8/1/22</a:t>
             </a:fld>
             <a:endParaRPr lang="en-US"/>
           </a:p>
@@ -3996,7 +3996,7 @@
           <a:p>
             <a:fld id="{186A7EED-A362-E647-9E0A-95AD9E2A184A}" type="datetimeFigureOut">
               <a:rPr lang="en-US" smtClean="0"/>
-              <a:t>2/23/22</a:t>
+              <a:t>8/1/22</a:t>
             </a:fld>
             <a:endParaRPr lang="en-US"/>
           </a:p>
